--- a/05-VueFundamentals/VueFundamentals.pptx
+++ b/05-VueFundamentals/VueFundamentals.pptx
@@ -35,8 +35,8 @@
     <p:sldId id="332" r:id="rId23"/>
     <p:sldId id="327" r:id="rId24"/>
     <p:sldId id="328" r:id="rId25"/>
-    <p:sldId id="329" r:id="rId26"/>
-    <p:sldId id="331" r:id="rId27"/>
+    <p:sldId id="331" r:id="rId26"/>
+    <p:sldId id="333" r:id="rId27"/>
   </p:sldIdLst>
   <p:sldSz cx="12192000" cy="6858000"/>
   <p:notesSz cx="9144000" cy="6858000"/>
@@ -9117,7 +9117,16 @@
           <a:bodyPr/>
           <a:lstStyle/>
           <a:p>
-            <a:endParaRPr lang="pl-PL"/>
+            <a:r>
+              <a:rPr lang="pl-PL" dirty="0"/>
+              <a:t>W pliku films.html utwórz aplikację, która wyświetli wykaz filmów w formacie, jak poniżej.</a:t>
+            </a:r>
+          </a:p>
+          <a:p>
+            <a:endParaRPr lang="pl-PL" dirty="0"/>
+          </a:p>
+          <a:p>
+            <a:endParaRPr lang="pl-PL" dirty="0"/>
           </a:p>
         </p:txBody>
       </p:sp>
@@ -9172,12 +9181,395 @@
           <a:lstStyle/>
           <a:p>
             <a:r>
-              <a:rPr lang="pl-PL" dirty="0"/>
-              <a:t>Tablica wiersze lista</a:t>
-            </a:r>
-          </a:p>
-        </p:txBody>
-      </p:sp>
+              <a:rPr lang="pl-PL" dirty="0" err="1"/>
+              <a:t>Films</a:t>
+            </a:r>
+            <a:endParaRPr lang="pl-PL" dirty="0"/>
+          </a:p>
+        </p:txBody>
+      </p:sp>
+      <p:graphicFrame>
+        <p:nvGraphicFramePr>
+          <p:cNvPr id="9" name="Tabela 9">
+            <a:extLst>
+              <a:ext uri="{FF2B5EF4-FFF2-40B4-BE49-F238E27FC236}">
+                <a16:creationId xmlns:a16="http://schemas.microsoft.com/office/drawing/2014/main" id="{B52FE7E7-7C24-47AD-9BCE-8D831AAAA218}"/>
+              </a:ext>
+            </a:extLst>
+          </p:cNvPr>
+          <p:cNvGraphicFramePr>
+            <a:graphicFrameLocks noGrp="1"/>
+          </p:cNvGraphicFramePr>
+          <p:nvPr>
+            <p:extLst>
+              <p:ext uri="{D42A27DB-BD31-4B8C-83A1-F6EECF244321}">
+                <p14:modId xmlns:p14="http://schemas.microsoft.com/office/powerpoint/2010/main" val="3821328723"/>
+              </p:ext>
+            </p:extLst>
+          </p:nvPr>
+        </p:nvGraphicFramePr>
+        <p:xfrm>
+          <a:off x="1086394" y="3259614"/>
+          <a:ext cx="10019211" cy="1854200"/>
+        </p:xfrm>
+        <a:graphic>
+          <a:graphicData uri="http://schemas.openxmlformats.org/drawingml/2006/table">
+            <a:tbl>
+              <a:tblPr firstRow="1" bandRow="1">
+                <a:tableStyleId>{5940675A-B579-460E-94D1-54222C63F5DA}</a:tableStyleId>
+              </a:tblPr>
+              <a:tblGrid>
+                <a:gridCol w="2362200">
+                  <a:extLst>
+                    <a:ext uri="{9D8B030D-6E8A-4147-A177-3AD203B41FA5}">
+                      <a16:colId xmlns:a16="http://schemas.microsoft.com/office/drawing/2014/main" val="358792399"/>
+                    </a:ext>
+                  </a:extLst>
+                </a:gridCol>
+                <a:gridCol w="2743200">
+                  <a:extLst>
+                    <a:ext uri="{9D8B030D-6E8A-4147-A177-3AD203B41FA5}">
+                      <a16:colId xmlns:a16="http://schemas.microsoft.com/office/drawing/2014/main" val="3144096054"/>
+                    </a:ext>
+                  </a:extLst>
+                </a:gridCol>
+                <a:gridCol w="2612572">
+                  <a:extLst>
+                    <a:ext uri="{9D8B030D-6E8A-4147-A177-3AD203B41FA5}">
+                      <a16:colId xmlns:a16="http://schemas.microsoft.com/office/drawing/2014/main" val="472785458"/>
+                    </a:ext>
+                  </a:extLst>
+                </a:gridCol>
+                <a:gridCol w="2301239">
+                  <a:extLst>
+                    <a:ext uri="{9D8B030D-6E8A-4147-A177-3AD203B41FA5}">
+                      <a16:colId xmlns:a16="http://schemas.microsoft.com/office/drawing/2014/main" val="3794429624"/>
+                    </a:ext>
+                  </a:extLst>
+                </a:gridCol>
+              </a:tblGrid>
+              <a:tr h="370840">
+                <a:tc>
+                  <a:txBody>
+                    <a:bodyPr/>
+                    <a:lstStyle/>
+                    <a:p>
+                      <a:r>
+                        <a:rPr lang="pl-PL" b="1" dirty="0" err="1"/>
+                        <a:t>Title</a:t>
+                      </a:r>
+                      <a:endParaRPr lang="pl-PL" b="1" dirty="0"/>
+                    </a:p>
+                  </a:txBody>
+                  <a:tcPr/>
+                </a:tc>
+                <a:tc>
+                  <a:txBody>
+                    <a:bodyPr/>
+                    <a:lstStyle/>
+                    <a:p>
+                      <a:r>
+                        <a:rPr lang="pl-PL" b="1" dirty="0" err="1"/>
+                        <a:t>Year</a:t>
+                      </a:r>
+                      <a:endParaRPr lang="pl-PL" b="1" dirty="0"/>
+                    </a:p>
+                  </a:txBody>
+                  <a:tcPr/>
+                </a:tc>
+                <a:tc>
+                  <a:txBody>
+                    <a:bodyPr/>
+                    <a:lstStyle/>
+                    <a:p>
+                      <a:r>
+                        <a:rPr lang="pl-PL" b="1" dirty="0" err="1"/>
+                        <a:t>Director</a:t>
+                      </a:r>
+                      <a:endParaRPr lang="pl-PL" b="1" dirty="0"/>
+                    </a:p>
+                  </a:txBody>
+                  <a:tcPr/>
+                </a:tc>
+                <a:tc>
+                  <a:txBody>
+                    <a:bodyPr/>
+                    <a:lstStyle/>
+                    <a:p>
+                      <a:r>
+                        <a:rPr lang="pl-PL" b="1" dirty="0"/>
+                        <a:t>Budget</a:t>
+                      </a:r>
+                    </a:p>
+                  </a:txBody>
+                  <a:tcPr/>
+                </a:tc>
+                <a:extLst>
+                  <a:ext uri="{0D108BD9-81ED-4DB2-BD59-A6C34878D82A}">
+                    <a16:rowId xmlns:a16="http://schemas.microsoft.com/office/drawing/2014/main" val="2614623593"/>
+                  </a:ext>
+                </a:extLst>
+              </a:tr>
+              <a:tr h="370840">
+                <a:tc>
+                  <a:txBody>
+                    <a:bodyPr/>
+                    <a:lstStyle/>
+                    <a:p>
+                      <a:r>
+                        <a:rPr lang="pl-PL" dirty="0"/>
+                        <a:t>Avatar</a:t>
+                      </a:r>
+                    </a:p>
+                  </a:txBody>
+                  <a:tcPr/>
+                </a:tc>
+                <a:tc>
+                  <a:txBody>
+                    <a:bodyPr/>
+                    <a:lstStyle/>
+                    <a:p>
+                      <a:r>
+                        <a:rPr lang="pl-PL" dirty="0"/>
+                        <a:t>2009</a:t>
+                      </a:r>
+                    </a:p>
+                  </a:txBody>
+                  <a:tcPr/>
+                </a:tc>
+                <a:tc>
+                  <a:txBody>
+                    <a:bodyPr/>
+                    <a:lstStyle/>
+                    <a:p>
+                      <a:r>
+                        <a:rPr lang="pl-PL" dirty="0"/>
+                        <a:t>James Cameron</a:t>
+                      </a:r>
+                    </a:p>
+                  </a:txBody>
+                  <a:tcPr/>
+                </a:tc>
+                <a:tc>
+                  <a:txBody>
+                    <a:bodyPr/>
+                    <a:lstStyle/>
+                    <a:p>
+                      <a:r>
+                        <a:rPr lang="pl-PL" dirty="0"/>
+                        <a:t>$237 000 000</a:t>
+                      </a:r>
+                    </a:p>
+                  </a:txBody>
+                  <a:tcPr/>
+                </a:tc>
+                <a:extLst>
+                  <a:ext uri="{0D108BD9-81ED-4DB2-BD59-A6C34878D82A}">
+                    <a16:rowId xmlns:a16="http://schemas.microsoft.com/office/drawing/2014/main" val="3550264043"/>
+                  </a:ext>
+                </a:extLst>
+              </a:tr>
+              <a:tr h="370840">
+                <a:tc>
+                  <a:txBody>
+                    <a:bodyPr/>
+                    <a:lstStyle/>
+                    <a:p>
+                      <a:r>
+                        <a:rPr lang="pl-PL" dirty="0"/>
+                        <a:t>Pulp </a:t>
+                      </a:r>
+                      <a:r>
+                        <a:rPr lang="pl-PL" dirty="0" err="1"/>
+                        <a:t>Fiction</a:t>
+                      </a:r>
+                      <a:endParaRPr lang="pl-PL" dirty="0"/>
+                    </a:p>
+                  </a:txBody>
+                  <a:tcPr/>
+                </a:tc>
+                <a:tc>
+                  <a:txBody>
+                    <a:bodyPr/>
+                    <a:lstStyle/>
+                    <a:p>
+                      <a:r>
+                        <a:rPr lang="pl-PL" dirty="0"/>
+                        <a:t>1994</a:t>
+                      </a:r>
+                    </a:p>
+                  </a:txBody>
+                  <a:tcPr/>
+                </a:tc>
+                <a:tc>
+                  <a:txBody>
+                    <a:bodyPr/>
+                    <a:lstStyle/>
+                    <a:p>
+                      <a:r>
+                        <a:rPr lang="pl-PL" dirty="0"/>
+                        <a:t>Quentin </a:t>
+                      </a:r>
+                      <a:r>
+                        <a:rPr lang="pl-PL" dirty="0" err="1"/>
+                        <a:t>Tatantino</a:t>
+                      </a:r>
+                      <a:endParaRPr lang="pl-PL" dirty="0"/>
+                    </a:p>
+                  </a:txBody>
+                  <a:tcPr/>
+                </a:tc>
+                <a:tc>
+                  <a:txBody>
+                    <a:bodyPr/>
+                    <a:lstStyle/>
+                    <a:p>
+                      <a:r>
+                        <a:rPr lang="pl-PL" dirty="0"/>
+                        <a:t>$8 000 000</a:t>
+                      </a:r>
+                    </a:p>
+                  </a:txBody>
+                  <a:tcPr/>
+                </a:tc>
+                <a:extLst>
+                  <a:ext uri="{0D108BD9-81ED-4DB2-BD59-A6C34878D82A}">
+                    <a16:rowId xmlns:a16="http://schemas.microsoft.com/office/drawing/2014/main" val="1465333745"/>
+                  </a:ext>
+                </a:extLst>
+              </a:tr>
+              <a:tr h="370840">
+                <a:tc>
+                  <a:txBody>
+                    <a:bodyPr/>
+                    <a:lstStyle/>
+                    <a:p>
+                      <a:r>
+                        <a:rPr lang="pl-PL" dirty="0"/>
+                        <a:t>Pitch Black</a:t>
+                      </a:r>
+                    </a:p>
+                  </a:txBody>
+                  <a:tcPr/>
+                </a:tc>
+                <a:tc>
+                  <a:txBody>
+                    <a:bodyPr/>
+                    <a:lstStyle/>
+                    <a:p>
+                      <a:r>
+                        <a:rPr lang="pl-PL" dirty="0"/>
+                        <a:t>2000</a:t>
+                      </a:r>
+                    </a:p>
+                  </a:txBody>
+                  <a:tcPr/>
+                </a:tc>
+                <a:tc>
+                  <a:txBody>
+                    <a:bodyPr/>
+                    <a:lstStyle/>
+                    <a:p>
+                      <a:r>
+                        <a:rPr lang="pl-PL" dirty="0"/>
+                        <a:t>David </a:t>
+                      </a:r>
+                      <a:r>
+                        <a:rPr lang="pl-PL" dirty="0" err="1"/>
+                        <a:t>Twohy</a:t>
+                      </a:r>
+                      <a:endParaRPr lang="pl-PL" dirty="0"/>
+                    </a:p>
+                  </a:txBody>
+                  <a:tcPr/>
+                </a:tc>
+                <a:tc>
+                  <a:txBody>
+                    <a:bodyPr/>
+                    <a:lstStyle/>
+                    <a:p>
+                      <a:r>
+                        <a:rPr lang="pl-PL" dirty="0"/>
+                        <a:t>$23 000 000</a:t>
+                      </a:r>
+                    </a:p>
+                  </a:txBody>
+                  <a:tcPr/>
+                </a:tc>
+                <a:extLst>
+                  <a:ext uri="{0D108BD9-81ED-4DB2-BD59-A6C34878D82A}">
+                    <a16:rowId xmlns:a16="http://schemas.microsoft.com/office/drawing/2014/main" val="3919115089"/>
+                  </a:ext>
+                </a:extLst>
+              </a:tr>
+              <a:tr h="370840">
+                <a:tc>
+                  <a:txBody>
+                    <a:bodyPr/>
+                    <a:lstStyle/>
+                    <a:p>
+                      <a:r>
+                        <a:rPr lang="pl-PL" dirty="0"/>
+                        <a:t>War and </a:t>
+                      </a:r>
+                      <a:r>
+                        <a:rPr lang="pl-PL" dirty="0" err="1"/>
+                        <a:t>Peace</a:t>
+                      </a:r>
+                      <a:endParaRPr lang="pl-PL" dirty="0"/>
+                    </a:p>
+                  </a:txBody>
+                  <a:tcPr/>
+                </a:tc>
+                <a:tc>
+                  <a:txBody>
+                    <a:bodyPr/>
+                    <a:lstStyle/>
+                    <a:p>
+                      <a:r>
+                        <a:rPr lang="pl-PL" dirty="0"/>
+                        <a:t>1956</a:t>
+                      </a:r>
+                    </a:p>
+                  </a:txBody>
+                  <a:tcPr/>
+                </a:tc>
+                <a:tc>
+                  <a:txBody>
+                    <a:bodyPr/>
+                    <a:lstStyle/>
+                    <a:p>
+                      <a:r>
+                        <a:rPr lang="pl-PL" dirty="0"/>
+                        <a:t>King Vidor</a:t>
+                      </a:r>
+                    </a:p>
+                  </a:txBody>
+                  <a:tcPr/>
+                </a:tc>
+                <a:tc>
+                  <a:txBody>
+                    <a:bodyPr/>
+                    <a:lstStyle/>
+                    <a:p>
+                      <a:r>
+                        <a:rPr lang="pl-PL" dirty="0"/>
+                        <a:t>$6 000 000</a:t>
+                      </a:r>
+                    </a:p>
+                  </a:txBody>
+                  <a:tcPr/>
+                </a:tc>
+                <a:extLst>
+                  <a:ext uri="{0D108BD9-81ED-4DB2-BD59-A6C34878D82A}">
+                    <a16:rowId xmlns:a16="http://schemas.microsoft.com/office/drawing/2014/main" val="2457488182"/>
+                  </a:ext>
+                </a:extLst>
+              </a:tr>
+            </a:tbl>
+          </a:graphicData>
+        </a:graphic>
+      </p:graphicFrame>
     </p:spTree>
     <p:extLst>
       <p:ext uri="{BB962C8B-B14F-4D97-AF65-F5344CB8AC3E}">
@@ -9213,7 +9605,7 @@
           <p:cNvPr id="2" name="Symbol zastępczy zawartości 1">
             <a:extLst>
               <a:ext uri="{FF2B5EF4-FFF2-40B4-BE49-F238E27FC236}">
-                <a16:creationId xmlns:a16="http://schemas.microsoft.com/office/drawing/2014/main" id="{F5ACFFA5-1C83-4DA6-B860-92F00FCB7FD4}"/>
+                <a16:creationId xmlns:a16="http://schemas.microsoft.com/office/drawing/2014/main" id="{EEF87F71-58F2-484A-86AA-159040CB5603}"/>
               </a:ext>
             </a:extLst>
           </p:cNvPr>
@@ -9229,7 +9621,30 @@
           <a:bodyPr/>
           <a:lstStyle/>
           <a:p>
-            <a:endParaRPr lang="pl-PL"/>
+            <a:r>
+              <a:rPr lang="pl-PL" dirty="0"/>
+              <a:t>W pliku chart.html utwórz aplikację, która wyświetli w postaci graficznej popularność języków programowania.</a:t>
+            </a:r>
+          </a:p>
+          <a:p>
+            <a:r>
+              <a:rPr lang="pl-PL" dirty="0"/>
+              <a:t>Aby utworzyć wykres, skorzystaj z biblioteki chart.js.</a:t>
+            </a:r>
+          </a:p>
+          <a:p>
+            <a:r>
+              <a:rPr lang="pl-PL" dirty="0"/>
+              <a:t>Możesz użyć właściwości ’</a:t>
+            </a:r>
+            <a:r>
+              <a:rPr lang="pl-PL" dirty="0" err="1"/>
+              <a:t>computed</a:t>
+            </a:r>
+            <a:r>
+              <a:rPr lang="pl-PL" dirty="0"/>
+              <a:t>’, aby przygotować dane w formacie zgodnym z wymienioną biblioteką.</a:t>
+            </a:r>
           </a:p>
         </p:txBody>
       </p:sp>
@@ -9238,7 +9653,7 @@
           <p:cNvPr id="3" name="Symbol zastępczy numeru slajdu 2">
             <a:extLst>
               <a:ext uri="{FF2B5EF4-FFF2-40B4-BE49-F238E27FC236}">
-                <a16:creationId xmlns:a16="http://schemas.microsoft.com/office/drawing/2014/main" id="{08549D20-42DB-4965-BBF3-6BDF96CD821F}"/>
+                <a16:creationId xmlns:a16="http://schemas.microsoft.com/office/drawing/2014/main" id="{23045D86-0CAD-4D0E-BE55-E7F437B2838B}"/>
               </a:ext>
             </a:extLst>
           </p:cNvPr>
@@ -9267,7 +9682,7 @@
           <p:cNvPr id="4" name="Tytuł 3">
             <a:extLst>
               <a:ext uri="{FF2B5EF4-FFF2-40B4-BE49-F238E27FC236}">
-                <a16:creationId xmlns:a16="http://schemas.microsoft.com/office/drawing/2014/main" id="{7EB48096-7709-4512-A2FC-AED67D574377}"/>
+                <a16:creationId xmlns:a16="http://schemas.microsoft.com/office/drawing/2014/main" id="{54C9A743-92F1-4259-AEE9-CB92DE0EC6A9}"/>
               </a:ext>
             </a:extLst>
           </p:cNvPr>
@@ -9284,25 +9699,16 @@
           <a:lstStyle/>
           <a:p>
             <a:r>
-              <a:rPr lang="pl-PL" dirty="0" err="1"/>
-              <a:t>Computed</a:t>
-            </a:r>
-            <a:r>
               <a:rPr lang="pl-PL" dirty="0"/>
-              <a:t> i </a:t>
-            </a:r>
-            <a:r>
-              <a:rPr lang="pl-PL" dirty="0" err="1"/>
-              <a:t>methods</a:t>
-            </a:r>
-            <a:endParaRPr lang="pl-PL" dirty="0"/>
+              <a:t>Chart</a:t>
+            </a:r>
           </a:p>
         </p:txBody>
       </p:sp>
     </p:spTree>
     <p:extLst>
       <p:ext uri="{BB962C8B-B14F-4D97-AF65-F5344CB8AC3E}">
-        <p14:creationId xmlns:p14="http://schemas.microsoft.com/office/powerpoint/2010/main" val="2907195886"/>
+        <p14:creationId xmlns:p14="http://schemas.microsoft.com/office/powerpoint/2010/main" val="2659627192"/>
       </p:ext>
     </p:extLst>
   </p:cSld>
@@ -9334,7 +9740,7 @@
           <p:cNvPr id="2" name="Symbol zastępczy zawartości 1">
             <a:extLst>
               <a:ext uri="{FF2B5EF4-FFF2-40B4-BE49-F238E27FC236}">
-                <a16:creationId xmlns:a16="http://schemas.microsoft.com/office/drawing/2014/main" id="{EEF87F71-58F2-484A-86AA-159040CB5603}"/>
+                <a16:creationId xmlns:a16="http://schemas.microsoft.com/office/drawing/2014/main" id="{63A1CED8-B284-4835-9FA2-DF8DFF5912B5}"/>
               </a:ext>
             </a:extLst>
           </p:cNvPr>
@@ -9350,7 +9756,24 @@
           <a:bodyPr/>
           <a:lstStyle/>
           <a:p>
-            <a:endParaRPr lang="pl-PL"/>
+            <a:r>
+              <a:rPr lang="pl-PL" dirty="0"/>
+              <a:t>Utwórz aplikację currency.html, która wyświetli tabelę średnich kursów walut obcych, w formacie, jak poniżej. Dane dostępne są w formacie </a:t>
+            </a:r>
+            <a:r>
+              <a:rPr lang="pl-PL" dirty="0" err="1"/>
+              <a:t>json</a:t>
+            </a:r>
+            <a:r>
+              <a:rPr lang="pl-PL" dirty="0"/>
+              <a:t> pod adresem: http://api.nbp.pl</a:t>
+            </a:r>
+          </a:p>
+          <a:p>
+            <a:endParaRPr lang="pl-PL" dirty="0"/>
+          </a:p>
+          <a:p>
+            <a:endParaRPr lang="pl-PL" dirty="0"/>
           </a:p>
         </p:txBody>
       </p:sp>
@@ -9359,7 +9782,7 @@
           <p:cNvPr id="3" name="Symbol zastępczy numeru slajdu 2">
             <a:extLst>
               <a:ext uri="{FF2B5EF4-FFF2-40B4-BE49-F238E27FC236}">
-                <a16:creationId xmlns:a16="http://schemas.microsoft.com/office/drawing/2014/main" id="{23045D86-0CAD-4D0E-BE55-E7F437B2838B}"/>
+                <a16:creationId xmlns:a16="http://schemas.microsoft.com/office/drawing/2014/main" id="{9AC959EB-2B6B-41C4-AB8F-EB03AAE125BD}"/>
               </a:ext>
             </a:extLst>
           </p:cNvPr>
@@ -9388,7 +9811,7 @@
           <p:cNvPr id="4" name="Tytuł 3">
             <a:extLst>
               <a:ext uri="{FF2B5EF4-FFF2-40B4-BE49-F238E27FC236}">
-                <a16:creationId xmlns:a16="http://schemas.microsoft.com/office/drawing/2014/main" id="{54C9A743-92F1-4259-AEE9-CB92DE0EC6A9}"/>
+                <a16:creationId xmlns:a16="http://schemas.microsoft.com/office/drawing/2014/main" id="{C3D2B2E0-C8AC-4C0E-B943-FF46EC5C543A}"/>
               </a:ext>
             </a:extLst>
           </p:cNvPr>
@@ -9405,16 +9828,307 @@
           <a:lstStyle/>
           <a:p>
             <a:r>
-              <a:rPr lang="pl-PL" dirty="0"/>
-              <a:t>Chart</a:t>
-            </a:r>
-          </a:p>
-        </p:txBody>
-      </p:sp>
+              <a:rPr lang="pl-PL" dirty="0" err="1"/>
+              <a:t>Currency</a:t>
+            </a:r>
+            <a:endParaRPr lang="pl-PL" dirty="0"/>
+          </a:p>
+        </p:txBody>
+      </p:sp>
+      <p:graphicFrame>
+        <p:nvGraphicFramePr>
+          <p:cNvPr id="9" name="Tabela 9">
+            <a:extLst>
+              <a:ext uri="{FF2B5EF4-FFF2-40B4-BE49-F238E27FC236}">
+                <a16:creationId xmlns:a16="http://schemas.microsoft.com/office/drawing/2014/main" id="{B52FE7E7-7C24-47AD-9BCE-8D831AAAA218}"/>
+              </a:ext>
+            </a:extLst>
+          </p:cNvPr>
+          <p:cNvGraphicFramePr>
+            <a:graphicFrameLocks noGrp="1"/>
+          </p:cNvGraphicFramePr>
+          <p:nvPr>
+            <p:extLst>
+              <p:ext uri="{D42A27DB-BD31-4B8C-83A1-F6EECF244321}">
+                <p14:modId xmlns:p14="http://schemas.microsoft.com/office/powerpoint/2010/main" val="3787530697"/>
+              </p:ext>
+            </p:extLst>
+          </p:nvPr>
+        </p:nvGraphicFramePr>
+        <p:xfrm>
+          <a:off x="2237014" y="3502480"/>
+          <a:ext cx="7717972" cy="1854200"/>
+        </p:xfrm>
+        <a:graphic>
+          <a:graphicData uri="http://schemas.openxmlformats.org/drawingml/2006/table">
+            <a:tbl>
+              <a:tblPr firstRow="1" bandRow="1">
+                <a:tableStyleId>{5940675A-B579-460E-94D1-54222C63F5DA}</a:tableStyleId>
+              </a:tblPr>
+              <a:tblGrid>
+                <a:gridCol w="2362200">
+                  <a:extLst>
+                    <a:ext uri="{9D8B030D-6E8A-4147-A177-3AD203B41FA5}">
+                      <a16:colId xmlns:a16="http://schemas.microsoft.com/office/drawing/2014/main" val="358792399"/>
+                    </a:ext>
+                  </a:extLst>
+                </a:gridCol>
+                <a:gridCol w="2743200">
+                  <a:extLst>
+                    <a:ext uri="{9D8B030D-6E8A-4147-A177-3AD203B41FA5}">
+                      <a16:colId xmlns:a16="http://schemas.microsoft.com/office/drawing/2014/main" val="3144096054"/>
+                    </a:ext>
+                  </a:extLst>
+                </a:gridCol>
+                <a:gridCol w="2612572">
+                  <a:extLst>
+                    <a:ext uri="{9D8B030D-6E8A-4147-A177-3AD203B41FA5}">
+                      <a16:colId xmlns:a16="http://schemas.microsoft.com/office/drawing/2014/main" val="472785458"/>
+                    </a:ext>
+                  </a:extLst>
+                </a:gridCol>
+              </a:tblGrid>
+              <a:tr h="370840">
+                <a:tc>
+                  <a:txBody>
+                    <a:bodyPr/>
+                    <a:lstStyle/>
+                    <a:p>
+                      <a:r>
+                        <a:rPr lang="pl-PL" b="1" dirty="0" err="1"/>
+                        <a:t>Currency</a:t>
+                      </a:r>
+                      <a:endParaRPr lang="pl-PL" b="1" dirty="0"/>
+                    </a:p>
+                  </a:txBody>
+                  <a:tcPr/>
+                </a:tc>
+                <a:tc>
+                  <a:txBody>
+                    <a:bodyPr/>
+                    <a:lstStyle/>
+                    <a:p>
+                      <a:r>
+                        <a:rPr lang="pl-PL" b="1" dirty="0" err="1"/>
+                        <a:t>Code</a:t>
+                      </a:r>
+                      <a:endParaRPr lang="pl-PL" b="1" dirty="0"/>
+                    </a:p>
+                  </a:txBody>
+                  <a:tcPr/>
+                </a:tc>
+                <a:tc>
+                  <a:txBody>
+                    <a:bodyPr/>
+                    <a:lstStyle/>
+                    <a:p>
+                      <a:r>
+                        <a:rPr lang="pl-PL" b="1" dirty="0" err="1"/>
+                        <a:t>Mid</a:t>
+                      </a:r>
+                      <a:endParaRPr lang="pl-PL" b="1" dirty="0"/>
+                    </a:p>
+                  </a:txBody>
+                  <a:tcPr/>
+                </a:tc>
+                <a:extLst>
+                  <a:ext uri="{0D108BD9-81ED-4DB2-BD59-A6C34878D82A}">
+                    <a16:rowId xmlns:a16="http://schemas.microsoft.com/office/drawing/2014/main" val="2614623593"/>
+                  </a:ext>
+                </a:extLst>
+              </a:tr>
+              <a:tr h="370840">
+                <a:tc>
+                  <a:txBody>
+                    <a:bodyPr/>
+                    <a:lstStyle/>
+                    <a:p>
+                      <a:r>
+                        <a:rPr lang="pl-PL" dirty="0"/>
+                        <a:t>bat (Tajlandia)</a:t>
+                      </a:r>
+                    </a:p>
+                  </a:txBody>
+                  <a:tcPr/>
+                </a:tc>
+                <a:tc>
+                  <a:txBody>
+                    <a:bodyPr/>
+                    <a:lstStyle/>
+                    <a:p>
+                      <a:r>
+                        <a:rPr lang="pl-PL" dirty="0"/>
+                        <a:t>THB</a:t>
+                      </a:r>
+                    </a:p>
+                  </a:txBody>
+                  <a:tcPr/>
+                </a:tc>
+                <a:tc>
+                  <a:txBody>
+                    <a:bodyPr/>
+                    <a:lstStyle/>
+                    <a:p>
+                      <a:r>
+                        <a:rPr lang="pl-PL" dirty="0"/>
+                        <a:t>0.1252</a:t>
+                      </a:r>
+                    </a:p>
+                  </a:txBody>
+                  <a:tcPr/>
+                </a:tc>
+                <a:extLst>
+                  <a:ext uri="{0D108BD9-81ED-4DB2-BD59-A6C34878D82A}">
+                    <a16:rowId xmlns:a16="http://schemas.microsoft.com/office/drawing/2014/main" val="3550264043"/>
+                  </a:ext>
+                </a:extLst>
+              </a:tr>
+              <a:tr h="370840">
+                <a:tc>
+                  <a:txBody>
+                    <a:bodyPr/>
+                    <a:lstStyle/>
+                    <a:p>
+                      <a:r>
+                        <a:rPr lang="pl-PL" dirty="0"/>
+                        <a:t>dolar amerykański</a:t>
+                      </a:r>
+                    </a:p>
+                  </a:txBody>
+                  <a:tcPr/>
+                </a:tc>
+                <a:tc>
+                  <a:txBody>
+                    <a:bodyPr/>
+                    <a:lstStyle/>
+                    <a:p>
+                      <a:r>
+                        <a:rPr lang="pl-PL" dirty="0"/>
+                        <a:t>USD</a:t>
+                      </a:r>
+                    </a:p>
+                  </a:txBody>
+                  <a:tcPr/>
+                </a:tc>
+                <a:tc>
+                  <a:txBody>
+                    <a:bodyPr/>
+                    <a:lstStyle/>
+                    <a:p>
+                      <a:r>
+                        <a:rPr lang="pl-PL" dirty="0"/>
+                        <a:t>3.9623</a:t>
+                      </a:r>
+                    </a:p>
+                  </a:txBody>
+                  <a:tcPr/>
+                </a:tc>
+                <a:extLst>
+                  <a:ext uri="{0D108BD9-81ED-4DB2-BD59-A6C34878D82A}">
+                    <a16:rowId xmlns:a16="http://schemas.microsoft.com/office/drawing/2014/main" val="1465333745"/>
+                  </a:ext>
+                </a:extLst>
+              </a:tr>
+              <a:tr h="370840">
+                <a:tc>
+                  <a:txBody>
+                    <a:bodyPr/>
+                    <a:lstStyle/>
+                    <a:p>
+                      <a:r>
+                        <a:rPr lang="pl-PL" dirty="0"/>
+                        <a:t>...</a:t>
+                      </a:r>
+                    </a:p>
+                  </a:txBody>
+                  <a:tcPr/>
+                </a:tc>
+                <a:tc>
+                  <a:txBody>
+                    <a:bodyPr/>
+                    <a:lstStyle/>
+                    <a:p>
+                      <a:r>
+                        <a:rPr lang="pl-PL" dirty="0"/>
+                        <a:t>...</a:t>
+                      </a:r>
+                    </a:p>
+                  </a:txBody>
+                  <a:tcPr/>
+                </a:tc>
+                <a:tc>
+                  <a:txBody>
+                    <a:bodyPr/>
+                    <a:lstStyle/>
+                    <a:p>
+                      <a:r>
+                        <a:rPr lang="pl-PL" dirty="0"/>
+                        <a:t>...</a:t>
+                      </a:r>
+                    </a:p>
+                  </a:txBody>
+                  <a:tcPr/>
+                </a:tc>
+                <a:extLst>
+                  <a:ext uri="{0D108BD9-81ED-4DB2-BD59-A6C34878D82A}">
+                    <a16:rowId xmlns:a16="http://schemas.microsoft.com/office/drawing/2014/main" val="3919115089"/>
+                  </a:ext>
+                </a:extLst>
+              </a:tr>
+              <a:tr h="370840">
+                <a:tc>
+                  <a:txBody>
+                    <a:bodyPr/>
+                    <a:lstStyle/>
+                    <a:p>
+                      <a:r>
+                        <a:rPr lang="pl-PL" dirty="0"/>
+                        <a:t>...</a:t>
+                      </a:r>
+                    </a:p>
+                  </a:txBody>
+                  <a:tcPr/>
+                </a:tc>
+                <a:tc>
+                  <a:txBody>
+                    <a:bodyPr/>
+                    <a:lstStyle/>
+                    <a:p>
+                      <a:r>
+                        <a:rPr lang="pl-PL" dirty="0"/>
+                        <a:t>...</a:t>
+                      </a:r>
+                    </a:p>
+                  </a:txBody>
+                  <a:tcPr/>
+                </a:tc>
+                <a:tc>
+                  <a:txBody>
+                    <a:bodyPr/>
+                    <a:lstStyle/>
+                    <a:p>
+                      <a:r>
+                        <a:rPr lang="pl-PL" dirty="0"/>
+                        <a:t>...</a:t>
+                      </a:r>
+                    </a:p>
+                  </a:txBody>
+                  <a:tcPr/>
+                </a:tc>
+                <a:extLst>
+                  <a:ext uri="{0D108BD9-81ED-4DB2-BD59-A6C34878D82A}">
+                    <a16:rowId xmlns:a16="http://schemas.microsoft.com/office/drawing/2014/main" val="2457488182"/>
+                  </a:ext>
+                </a:extLst>
+              </a:tr>
+            </a:tbl>
+          </a:graphicData>
+        </a:graphic>
+      </p:graphicFrame>
     </p:spTree>
     <p:extLst>
       <p:ext uri="{BB962C8B-B14F-4D97-AF65-F5344CB8AC3E}">
-        <p14:creationId xmlns:p14="http://schemas.microsoft.com/office/powerpoint/2010/main" val="2659627192"/>
+        <p14:creationId xmlns:p14="http://schemas.microsoft.com/office/powerpoint/2010/main" val="1277535105"/>
       </p:ext>
     </p:extLst>
   </p:cSld>
